--- a/ProjectInfo450.pptx
+++ b/ProjectInfo450.pptx
@@ -3149,7 +3149,7 @@
             <a:pPr algn="ctr"/>
             <a:r>
               <a:rPr lang="en-US" dirty="0"/>
-              <a:t>Result</a:t>
+              <a:t>Result/Future Outlook</a:t>
             </a:r>
           </a:p>
         </p:txBody>
@@ -3180,7 +3180,7 @@
             </a:pPr>
             <a:r>
               <a:rPr lang="en-US" dirty="0"/>
-              <a:t>Giving background knowledge on users provides sports betters a more accurate outlook on their betting decisions, although sports betting can involve a magnitude of different scenarios, having some background on previous results will provide sports bettors a higher chance in winning their bets!</a:t>
+              <a:t>Giving background knowledge on users provides sports betters a more accurate outlook on their betting decisions, although sports betting can involve a magnitude of different scenarios, having some background on previous results will provide sports bettors a higher chance in winning their bets! I would recommend possibly making a dataset on players playing for their country and making an average based on their performance to see which teams has the most elite players.</a:t>
             </a:r>
           </a:p>
         </p:txBody>
@@ -3370,7 +3370,15 @@
             </a:r>
             <a:r>
               <a:rPr lang="en-US" dirty="0"/>
-              <a:t> and number of goals scored, I used left outer join to combine. The other excel sheet had a large array of data</a:t>
+              <a:t> and number of goals </a:t>
+            </a:r>
+            <a:r>
+              <a:rPr lang="en-US" dirty="0" err="1"/>
+              <a:t>scored.The</a:t>
+            </a:r>
+            <a:r>
+              <a:rPr lang="en-US" dirty="0"/>
+              <a:t> other excel sheet had a large array of data</a:t>
             </a:r>
           </a:p>
         </p:txBody>
@@ -3426,7 +3434,11 @@
           <a:bodyPr/>
           <a:lstStyle/>
           <a:p>
-            <a:endParaRPr lang="en-US"/>
+            <a:pPr algn="ctr"/>
+            <a:r>
+              <a:rPr lang="en-US" dirty="0"/>
+              <a:t>Snippet of Excel </a:t>
+            </a:r>
           </a:p>
         </p:txBody>
       </p:sp>
